--- a/Capstone- Twitter Sentiment Analysis_Clivia Kong/Capstone project_Clivia Kong.pptx
+++ b/Capstone- Twitter Sentiment Analysis_Clivia Kong/Capstone project_Clivia Kong.pptx
@@ -1353,7 +1353,7 @@
           <a:p>
             <a:fld id="{47DF6BE7-5D2F-42BA-89B7-EB7554764A1D}" type="datetimeFigureOut">
               <a:rPr lang="zh-CN" altLang="en-US" smtClean="0"/>
-              <a:t>2022/10/21</a:t>
+              <a:t>2022/10/22</a:t>
             </a:fld>
             <a:endParaRPr lang="zh-CN" altLang="en-US"/>
           </a:p>
@@ -1538,7 +1538,7 @@
           <a:p>
             <a:fld id="{47DF6BE7-5D2F-42BA-89B7-EB7554764A1D}" type="datetimeFigureOut">
               <a:rPr lang="zh-CN" altLang="en-US" smtClean="0"/>
-              <a:t>2022/10/21</a:t>
+              <a:t>2022/10/22</a:t>
             </a:fld>
             <a:endParaRPr lang="zh-CN" altLang="en-US"/>
           </a:p>
@@ -4791,7 +4791,7 @@
           <a:p>
             <a:fld id="{47DF6BE7-5D2F-42BA-89B7-EB7554764A1D}" type="datetimeFigureOut">
               <a:rPr lang="zh-CN" altLang="en-US" smtClean="0"/>
-              <a:t>2022/10/21</a:t>
+              <a:t>2022/10/22</a:t>
             </a:fld>
             <a:endParaRPr lang="zh-CN" altLang="en-US"/>
           </a:p>
@@ -4893,7 +4893,7 @@
           <a:p>
             <a:fld id="{47DF6BE7-5D2F-42BA-89B7-EB7554764A1D}" type="datetimeFigureOut">
               <a:rPr lang="zh-CN" altLang="en-US" smtClean="0"/>
-              <a:t>2022/10/21</a:t>
+              <a:t>2022/10/22</a:t>
             </a:fld>
             <a:endParaRPr lang="zh-CN" altLang="en-US"/>
           </a:p>
@@ -5175,7 +5175,7 @@
           <a:p>
             <a:fld id="{47DF6BE7-5D2F-42BA-89B7-EB7554764A1D}" type="datetimeFigureOut">
               <a:rPr lang="zh-CN" altLang="en-US" smtClean="0"/>
-              <a:t>2022/10/21</a:t>
+              <a:t>2022/10/22</a:t>
             </a:fld>
             <a:endParaRPr lang="zh-CN" altLang="en-US"/>
           </a:p>
@@ -5434,7 +5434,7 @@
           <a:p>
             <a:fld id="{47DF6BE7-5D2F-42BA-89B7-EB7554764A1D}" type="datetimeFigureOut">
               <a:rPr lang="zh-CN" altLang="en-US" smtClean="0"/>
-              <a:t>2022/10/21</a:t>
+              <a:t>2022/10/22</a:t>
             </a:fld>
             <a:endParaRPr lang="zh-CN" altLang="en-US"/>
           </a:p>
@@ -5652,7 +5652,7 @@
           <a:p>
             <a:fld id="{47DF6BE7-5D2F-42BA-89B7-EB7554764A1D}" type="datetimeFigureOut">
               <a:rPr lang="zh-CN" altLang="en-US" smtClean="0"/>
-              <a:t>2022/10/21</a:t>
+              <a:t>2022/10/22</a:t>
             </a:fld>
             <a:endParaRPr lang="zh-CN" altLang="en-US"/>
           </a:p>
@@ -7871,55 +7871,6 @@
           </a:fontRef>
         </p:style>
       </p:cxnSp>
-      <p:sp>
-        <p:nvSpPr>
-          <p:cNvPr id="5" name="文本框 26">
-            <a:extLst>
-              <a:ext uri="{FF2B5EF4-FFF2-40B4-BE49-F238E27FC236}">
-                <a16:creationId xmlns:a16="http://schemas.microsoft.com/office/drawing/2014/main" id="{FC442310-A56C-01B9-A563-1054DFFC68D8}"/>
-              </a:ext>
-            </a:extLst>
-          </p:cNvPr>
-          <p:cNvSpPr txBox="1"/>
-          <p:nvPr/>
-        </p:nvSpPr>
-        <p:spPr>
-          <a:xfrm>
-            <a:off x="432706" y="1446525"/>
-            <a:ext cx="2530929" cy="523220"/>
-          </a:xfrm>
-          <a:prstGeom prst="rect">
-            <a:avLst/>
-          </a:prstGeom>
-          <a:noFill/>
-        </p:spPr>
-        <p:txBody>
-          <a:bodyPr wrap="square" rtlCol="0">
-            <a:spAutoFit/>
-          </a:bodyPr>
-          <a:lstStyle/>
-          <a:p>
-            <a:pPr algn="ctr"/>
-            <a:r>
-              <a:rPr lang="en-US" altLang="zh-CN" sz="2800" b="1" dirty="0">
-                <a:solidFill>
-                  <a:srgbClr val="79A8A9"/>
-                </a:solidFill>
-                <a:latin typeface="思源黑体 CN Light" panose="020B0300000000000000" pitchFamily="34" charset="-122"/>
-                <a:ea typeface="思源黑体 CN Light" panose="020B0300000000000000" pitchFamily="34" charset="-122"/>
-              </a:rPr>
-              <a:t>Naïve Bayes</a:t>
-            </a:r>
-            <a:endParaRPr lang="zh-CN" altLang="en-US" sz="2800" b="1" dirty="0">
-              <a:solidFill>
-                <a:srgbClr val="79A8A9"/>
-              </a:solidFill>
-              <a:latin typeface="思源黑体 CN Light" panose="020B0300000000000000" pitchFamily="34" charset="-122"/>
-              <a:ea typeface="思源黑体 CN Light" panose="020B0300000000000000" pitchFamily="34" charset="-122"/>
-            </a:endParaRPr>
-          </a:p>
-        </p:txBody>
-      </p:sp>
     </p:spTree>
     <p:extLst>
       <p:ext uri="{BB962C8B-B14F-4D97-AF65-F5344CB8AC3E}">
@@ -9703,7 +9654,7 @@
         </p:nvGrpSpPr>
         <p:grpSpPr>
           <a:xfrm>
-            <a:off x="2335169" y="198338"/>
+            <a:off x="2280740" y="351064"/>
             <a:ext cx="8060687" cy="1077218"/>
             <a:chOff x="5692457" y="4253661"/>
             <a:chExt cx="2853420" cy="1077218"/>
@@ -9846,7 +9797,7 @@
         </p:nvCxnSpPr>
         <p:spPr>
           <a:xfrm>
-            <a:off x="6096000" y="889673"/>
+            <a:off x="6096000" y="920252"/>
             <a:ext cx="603504" cy="0"/>
           </a:xfrm>
           <a:prstGeom prst="line">
@@ -10051,7 +10002,7 @@
                   <a:ea typeface="Gen Jyuu Gothic Regular" panose="020B0302020203020207" pitchFamily="34" charset="-128"/>
                   <a:cs typeface="Gen Jyuu Gothic Regular" panose="020B0302020203020207" pitchFamily="34" charset="-128"/>
                 </a:rPr>
-                <a:t>Applying Bert Model to include connectivity between words</a:t>
+                <a:t>Applying Bert Model to including connectivity between words</a:t>
               </a:r>
             </a:p>
           </p:txBody>
@@ -10580,8 +10531,8 @@
         </p:nvSpPr>
         <p:spPr>
           <a:xfrm>
-            <a:off x="1001486" y="1796143"/>
-            <a:ext cx="10319657" cy="2462213"/>
+            <a:off x="1118181" y="1581557"/>
+            <a:ext cx="10319657" cy="2677656"/>
           </a:xfrm>
           <a:prstGeom prst="rect">
             <a:avLst/>
@@ -10675,8 +10626,32 @@
             </a:pPr>
             <a:r>
               <a:rPr lang="en-AU" altLang="zh-CN" sz="1400" dirty="0"/>
-              <a:t>Data source: https://www.kaggle.com/datasets/kazanova/sentiment140/code?datasetId=2477&amp;searchQuery=begin</a:t>
+              <a:t>Data source: </a:t>
             </a:r>
+            <a:r>
+              <a:rPr lang="en-AU" altLang="zh-CN" sz="1400" dirty="0">
+                <a:hlinkClick r:id="rId7"/>
+              </a:rPr>
+              <a:t>https://www.kaggle.com/datasets/kazanova/sentiment140/code?datasetId=2477&amp;searchQuery=begin</a:t>
+            </a:r>
+            <a:endParaRPr lang="en-AU" altLang="zh-CN" sz="1400" dirty="0"/>
+          </a:p>
+          <a:p>
+            <a:pPr marL="285750" indent="-285750">
+              <a:buFont typeface="Arial" panose="020B0604020202020204" pitchFamily="34" charset="0"/>
+              <a:buChar char="•"/>
+            </a:pPr>
+            <a:r>
+              <a:rPr lang="en-AU" altLang="zh-CN" sz="1400" dirty="0"/>
+              <a:t>GitHub: </a:t>
+            </a:r>
+            <a:r>
+              <a:rPr lang="en-AU" altLang="zh-CN" sz="1400" dirty="0">
+                <a:hlinkClick r:id="rId8"/>
+              </a:rPr>
+              <a:t>https://github.com/cliviaK/IOD/tree/main/Capstone-%20Twitter%20Sentiment%20Analysis_Clivia%20Kong</a:t>
+            </a:r>
+            <a:endParaRPr lang="en-AU" altLang="zh-CN" sz="1400" dirty="0"/>
           </a:p>
         </p:txBody>
       </p:sp>
@@ -10790,7 +10765,7 @@
         </p:nvSpPr>
         <p:spPr bwMode="auto">
           <a:xfrm>
-            <a:off x="621414" y="4184022"/>
+            <a:off x="621414" y="4346698"/>
             <a:ext cx="6073539" cy="1021433"/>
           </a:xfrm>
           <a:prstGeom prst="rect">
@@ -10918,7 +10893,7 @@
         <p:spPr bwMode="auto">
           <a:xfrm>
             <a:off x="621415" y="2465089"/>
-            <a:ext cx="6073539" cy="1341521"/>
+            <a:ext cx="6073539" cy="1661609"/>
           </a:xfrm>
           <a:prstGeom prst="rect">
             <a:avLst/>
@@ -10979,6 +10954,22 @@
                 <a:ea typeface="思源黑体 CN Light" panose="020B0300000000000000" pitchFamily="34" charset="-122"/>
               </a:rPr>
               <a:t>Financial Data analysis, budgeting and forecasting</a:t>
+            </a:r>
+          </a:p>
+          <a:p>
+            <a:pPr marL="742950" lvl="1" indent="-285750">
+              <a:lnSpc>
+                <a:spcPct val="130000"/>
+              </a:lnSpc>
+              <a:buFont typeface="Arial" panose="020B0604020202020204" pitchFamily="34" charset="0"/>
+              <a:buChar char="•"/>
+            </a:pPr>
+            <a:r>
+              <a:rPr lang="en-US" altLang="zh-CN" sz="1600" dirty="0">
+                <a:latin typeface="思源黑体 CN Light" panose="020B0300000000000000" pitchFamily="34" charset="-122"/>
+                <a:ea typeface="思源黑体 CN Light" panose="020B0300000000000000" pitchFamily="34" charset="-122"/>
+              </a:rPr>
+              <a:t>Data Science and AI</a:t>
             </a:r>
           </a:p>
         </p:txBody>
